--- a/INTRODUCTION TO OPERATING SYSTEM.pptx
+++ b/INTRODUCTION TO OPERATING SYSTEM.pptx
@@ -15,8 +15,8 @@
     <p:sldId id="264" r:id="rId9"/>
     <p:sldId id="266" r:id="rId10"/>
     <p:sldId id="268" r:id="rId11"/>
-    <p:sldId id="269" r:id="rId12"/>
-    <p:sldId id="270" r:id="rId13"/>
+    <p:sldId id="270" r:id="rId12"/>
+    <p:sldId id="271" r:id="rId13"/>
   </p:sldIdLst>
   <p:sldSz cx="12192000" cy="6858000"/>
   <p:notesSz cx="6858000" cy="9144000"/>
@@ -115,6 +115,22 @@
       </a:defRPr>
     </a:lvl9pPr>
   </p:defaultTextStyle>
+  <p:extLst>
+    <p:ext uri="{EFAFB233-063F-42B5-8137-9DF3F51BA10A}">
+      <p15:sldGuideLst xmlns:p15="http://schemas.microsoft.com/office/powerpoint/2012/main">
+        <p15:guide id="1" orient="horz" pos="2160">
+          <p15:clr>
+            <a:srgbClr val="A4A3A4"/>
+          </p15:clr>
+        </p15:guide>
+        <p15:guide id="2" pos="3840">
+          <p15:clr>
+            <a:srgbClr val="A4A3A4"/>
+          </p15:clr>
+        </p15:guide>
+      </p15:sldGuideLst>
+    </p:ext>
+  </p:extLst>
 </p:presentation>
 </file>
 
@@ -3109,7 +3125,12 @@
             <p:ph type="title"/>
           </p:nvPr>
         </p:nvSpPr>
-        <p:spPr/>
+        <p:spPr>
+          <a:xfrm>
+            <a:off x="838200" y="159064"/>
+            <a:ext cx="10515600" cy="793974"/>
+          </a:xfrm>
+        </p:spPr>
         <p:txBody>
           <a:bodyPr/>
           <a:lstStyle/>
@@ -3135,8 +3156,8 @@
         </p:nvSpPr>
         <p:spPr>
           <a:xfrm>
-            <a:off x="838200" y="1512277"/>
-            <a:ext cx="10515600" cy="4664686"/>
+            <a:off x="838200" y="1081824"/>
+            <a:ext cx="10515600" cy="5525037"/>
           </a:xfrm>
         </p:spPr>
         <p:txBody>
@@ -3157,13 +3178,25 @@
               <a:rPr lang="en-IN" sz="2400" dirty="0" smtClean="0"/>
               <a:t>.</a:t>
             </a:r>
+            <a:endParaRPr lang="en-IN" sz="2400" dirty="0" smtClean="0"/>
           </a:p>
           <a:p>
             <a:pPr>
               <a:buFont typeface="Wingdings" pitchFamily="2" charset="2"/>
               <a:buChar char="§"/>
             </a:pPr>
-            <a:endParaRPr lang="en-IN" sz="2400" dirty="0" smtClean="0"/>
+            <a:r>
+              <a:rPr lang="en-IN" sz="2400" dirty="0" smtClean="0"/>
+              <a:t> </a:t>
+            </a:r>
+            <a:r>
+              <a:rPr lang="en-IN" sz="2400" dirty="0"/>
+              <a:t>It acts as an interface between the user applications and the </a:t>
+            </a:r>
+            <a:r>
+              <a:rPr lang="en-IN" sz="2400" dirty="0" smtClean="0"/>
+              <a:t>hardware.</a:t>
+            </a:r>
           </a:p>
           <a:p>
             <a:pPr>
@@ -3172,45 +3205,117 @@
             </a:pPr>
             <a:r>
               <a:rPr lang="en-IN" sz="2400" dirty="0" smtClean="0"/>
-              <a:t> </a:t>
+              <a:t>The </a:t>
             </a:r>
             <a:r>
               <a:rPr lang="en-IN" sz="2400" dirty="0"/>
-              <a:t>It acts as an interface between the user applications and the hardware</a:t>
+              <a:t>sole aim of the kernel is to manage the communication between the software (user level applications) and the hardware (CPU, disk memory </a:t>
+            </a:r>
+            <a:r>
+              <a:rPr lang="en-IN" sz="2400" dirty="0" err="1"/>
+              <a:t>etc</a:t>
             </a:r>
             <a:r>
               <a:rPr lang="en-IN" sz="2400" dirty="0" smtClean="0"/>
-              <a:t>.</a:t>
-            </a:r>
+              <a:t>).</a:t>
+            </a:r>
+          </a:p>
+          <a:p>
+            <a:pPr marL="0" indent="0">
+              <a:buNone/>
+            </a:pPr>
+            <a:endParaRPr lang="en-IN" sz="2400" dirty="0" smtClean="0"/>
           </a:p>
           <a:p>
             <a:pPr>
               <a:buFont typeface="Wingdings" pitchFamily="2" charset="2"/>
               <a:buChar char="§"/>
             </a:pPr>
-            <a:endParaRPr lang="en-IN" sz="2400" dirty="0" smtClean="0"/>
+            <a:r>
+              <a:rPr lang="en-IN" sz="2400" dirty="0"/>
+              <a:t>The main tasks of the kernel are </a:t>
+            </a:r>
+            <a:r>
+              <a:rPr lang="en-IN" sz="2400" dirty="0" smtClean="0"/>
+              <a:t>:</a:t>
+            </a:r>
+          </a:p>
+          <a:p>
+            <a:pPr lvl="2">
+              <a:buFont typeface="Wingdings" pitchFamily="2" charset="2"/>
+              <a:buChar char="§"/>
+            </a:pPr>
+            <a:r>
+              <a:rPr lang="en-IN" sz="2400" dirty="0" smtClean="0"/>
+              <a:t>Process </a:t>
+            </a:r>
+            <a:r>
+              <a:rPr lang="en-IN" sz="2400" dirty="0"/>
+              <a:t>management</a:t>
+            </a:r>
+          </a:p>
+          <a:p>
+            <a:pPr lvl="2">
+              <a:buFont typeface="Wingdings" pitchFamily="2" charset="2"/>
+              <a:buChar char="§"/>
+            </a:pPr>
+            <a:r>
+              <a:rPr lang="en-IN" sz="2400" dirty="0"/>
+              <a:t>Device management</a:t>
+            </a:r>
+          </a:p>
+          <a:p>
+            <a:pPr lvl="2">
+              <a:buFont typeface="Wingdings" pitchFamily="2" charset="2"/>
+              <a:buChar char="§"/>
+            </a:pPr>
+            <a:r>
+              <a:rPr lang="en-IN" sz="2400" dirty="0"/>
+              <a:t>Memory management</a:t>
+            </a:r>
+          </a:p>
+          <a:p>
+            <a:pPr lvl="2">
+              <a:buFont typeface="Wingdings" pitchFamily="2" charset="2"/>
+              <a:buChar char="§"/>
+            </a:pPr>
+            <a:r>
+              <a:rPr lang="en-IN" sz="2400" dirty="0"/>
+              <a:t>Interrupt handling</a:t>
+            </a:r>
+          </a:p>
+          <a:p>
+            <a:pPr lvl="2">
+              <a:buFont typeface="Wingdings" pitchFamily="2" charset="2"/>
+              <a:buChar char="§"/>
+            </a:pPr>
+            <a:r>
+              <a:rPr lang="en-IN" sz="2400" dirty="0"/>
+              <a:t>I/O communication</a:t>
+            </a:r>
+          </a:p>
+          <a:p>
+            <a:pPr lvl="2">
+              <a:buFont typeface="Wingdings" pitchFamily="2" charset="2"/>
+              <a:buChar char="§"/>
+            </a:pPr>
+            <a:r>
+              <a:rPr lang="en-IN" sz="2400" dirty="0"/>
+              <a:t>File system...</a:t>
+            </a:r>
           </a:p>
           <a:p>
             <a:pPr>
               <a:buFont typeface="Wingdings" pitchFamily="2" charset="2"/>
               <a:buChar char="§"/>
             </a:pPr>
-            <a:r>
-              <a:rPr lang="en-IN" sz="2400" dirty="0" smtClean="0"/>
-              <a:t> </a:t>
-            </a:r>
-            <a:r>
-              <a:rPr lang="en-IN" sz="2400" dirty="0"/>
-              <a:t>The sole aim of the kernel is to manage the communication between the software (user level applications) and the hardware (CPU, disk memory </a:t>
-            </a:r>
-            <a:r>
-              <a:rPr lang="en-IN" sz="2400" dirty="0" err="1"/>
-              <a:t>etc</a:t>
-            </a:r>
-            <a:r>
-              <a:rPr lang="en-IN" sz="2400" dirty="0" smtClean="0"/>
-              <a:t>).</a:t>
-            </a:r>
+            <a:endParaRPr lang="en-IN" sz="2400" dirty="0"/>
+          </a:p>
+          <a:p>
+            <a:pPr>
+              <a:buFont typeface="Wingdings" pitchFamily="2" charset="2"/>
+              <a:buChar char="§"/>
+            </a:pPr>
             <a:endParaRPr lang="en-IN" sz="2400" dirty="0"/>
           </a:p>
         </p:txBody>
@@ -3247,6 +3352,25 @@
       </p:grpSpPr>
       <p:sp>
         <p:nvSpPr>
+          <p:cNvPr id="2" name="Title 1"/>
+          <p:cNvSpPr>
+            <a:spLocks noGrp="1"/>
+          </p:cNvSpPr>
+          <p:nvPr>
+            <p:ph type="title"/>
+          </p:nvPr>
+        </p:nvSpPr>
+        <p:spPr/>
+        <p:txBody>
+          <a:bodyPr/>
+          <a:lstStyle/>
+          <a:p>
+            <a:endParaRPr lang="en-IN"/>
+          </a:p>
+        </p:txBody>
+      </p:sp>
+      <p:sp>
+        <p:nvSpPr>
           <p:cNvPr id="3" name="Content Placeholder 2"/>
           <p:cNvSpPr>
             <a:spLocks noGrp="1"/>
@@ -3255,97 +3379,11 @@
             <p:ph idx="1"/>
           </p:nvPr>
         </p:nvSpPr>
-        <p:spPr>
-          <a:xfrm>
-            <a:off x="838200" y="480646"/>
-            <a:ext cx="10515600" cy="5696317"/>
-          </a:xfrm>
-        </p:spPr>
-        <p:txBody>
-          <a:bodyPr/>
-          <a:lstStyle/>
-          <a:p>
-            <a:pPr marL="0" indent="0">
-              <a:buNone/>
-            </a:pPr>
-            <a:r>
-              <a:rPr lang="en-IN" dirty="0"/>
-              <a:t>The main tasks of the kernel are :</a:t>
-            </a:r>
-          </a:p>
-          <a:p>
-            <a:endParaRPr lang="en-IN" dirty="0"/>
-          </a:p>
-          <a:p>
-            <a:pPr>
-              <a:buFont typeface="Wingdings" pitchFamily="2" charset="2"/>
-              <a:buChar char="§"/>
-            </a:pPr>
-            <a:r>
-              <a:rPr lang="en-IN" dirty="0"/>
-              <a:t>Process management</a:t>
-            </a:r>
-          </a:p>
-          <a:p>
-            <a:pPr>
-              <a:buFont typeface="Wingdings" pitchFamily="2" charset="2"/>
-              <a:buChar char="§"/>
-            </a:pPr>
-            <a:r>
-              <a:rPr lang="en-IN" dirty="0"/>
-              <a:t>Device management</a:t>
-            </a:r>
-          </a:p>
-          <a:p>
-            <a:pPr>
-              <a:buFont typeface="Wingdings" pitchFamily="2" charset="2"/>
-              <a:buChar char="§"/>
-            </a:pPr>
-            <a:r>
-              <a:rPr lang="en-IN" dirty="0"/>
-              <a:t>Memory management</a:t>
-            </a:r>
-          </a:p>
-          <a:p>
-            <a:pPr>
-              <a:buFont typeface="Wingdings" pitchFamily="2" charset="2"/>
-              <a:buChar char="§"/>
-            </a:pPr>
-            <a:r>
-              <a:rPr lang="en-IN" dirty="0"/>
-              <a:t>Interrupt handling</a:t>
-            </a:r>
-          </a:p>
-          <a:p>
-            <a:pPr>
-              <a:buFont typeface="Wingdings" pitchFamily="2" charset="2"/>
-              <a:buChar char="§"/>
-            </a:pPr>
-            <a:r>
-              <a:rPr lang="en-IN" dirty="0"/>
-              <a:t>I/O communication</a:t>
-            </a:r>
-          </a:p>
-          <a:p>
-            <a:pPr>
-              <a:buFont typeface="Wingdings" pitchFamily="2" charset="2"/>
-              <a:buChar char="§"/>
-            </a:pPr>
-            <a:r>
-              <a:rPr lang="en-IN" dirty="0"/>
-              <a:t>File system</a:t>
-            </a:r>
-            <a:r>
-              <a:rPr lang="en-IN" dirty="0" smtClean="0"/>
-              <a:t>...</a:t>
-            </a:r>
-            <a:endParaRPr lang="en-IN" dirty="0"/>
-          </a:p>
-          <a:p>
-            <a:pPr>
-              <a:buFont typeface="Wingdings" pitchFamily="2" charset="2"/>
-              <a:buChar char="§"/>
-            </a:pPr>
+        <p:spPr/>
+        <p:txBody>
+          <a:bodyPr/>
+          <a:lstStyle/>
+          <a:p>
             <a:endParaRPr lang="en-IN" dirty="0"/>
           </a:p>
         </p:txBody>
@@ -3353,7 +3391,7 @@
     </p:spTree>
     <p:extLst>
       <p:ext uri="{BB962C8B-B14F-4D97-AF65-F5344CB8AC3E}">
-        <p14:creationId xmlns:p14="http://schemas.microsoft.com/office/powerpoint/2010/main" val="2357753756"/>
+        <p14:creationId xmlns:p14="http://schemas.microsoft.com/office/powerpoint/2010/main" val="1453609498"/>
       </p:ext>
     </p:extLst>
   </p:cSld>
@@ -3395,7 +3433,12 @@
           <a:bodyPr/>
           <a:lstStyle/>
           <a:p>
-            <a:endParaRPr lang="en-IN"/>
+            <a:pPr algn="ctr"/>
+            <a:r>
+              <a:rPr lang="en-US" b="1" dirty="0" smtClean="0"/>
+              <a:t>TYPES OF KERNEL</a:t>
+            </a:r>
+            <a:endParaRPr lang="en-US" b="1" dirty="0"/>
           </a:p>
         </p:txBody>
       </p:sp>
@@ -3414,14 +3457,44 @@
           <a:bodyPr/>
           <a:lstStyle/>
           <a:p>
-            <a:endParaRPr lang="en-IN"/>
+            <a:pPr marL="0" indent="0">
+              <a:buNone/>
+            </a:pPr>
+            <a:r>
+              <a:rPr lang="en-US" dirty="0"/>
+              <a:t>Kernels may be classified mainly in two categories </a:t>
+            </a:r>
+            <a:r>
+              <a:rPr lang="en-US" dirty="0"/>
+              <a:t/>
+            </a:r>
+            <a:br>
+              <a:rPr lang="en-US" dirty="0"/>
+            </a:br>
+            <a:endParaRPr lang="en-US" dirty="0" smtClean="0"/>
+          </a:p>
+          <a:p>
+            <a:r>
+              <a:rPr lang="en-US" dirty="0" smtClean="0"/>
+              <a:t>Monolithic</a:t>
+            </a:r>
+            <a:endParaRPr lang="en-US" dirty="0"/>
+          </a:p>
+          <a:p>
+            <a:r>
+              <a:rPr lang="en-US" dirty="0"/>
+              <a:t>Micro Kernel</a:t>
+            </a:r>
+          </a:p>
+          <a:p>
+            <a:endParaRPr lang="en-US" dirty="0"/>
           </a:p>
         </p:txBody>
       </p:sp>
     </p:spTree>
     <p:extLst>
       <p:ext uri="{BB962C8B-B14F-4D97-AF65-F5344CB8AC3E}">
-        <p14:creationId xmlns:p14="http://schemas.microsoft.com/office/powerpoint/2010/main" val="1453609498"/>
+        <p14:creationId xmlns:p14="http://schemas.microsoft.com/office/powerpoint/2010/main" val="1917677242"/>
       </p:ext>
     </p:extLst>
   </p:cSld>
@@ -3472,7 +3545,7 @@
               <a:rPr lang="en-US" dirty="0" smtClean="0"/>
             </a:br>
             <a:r>
-              <a:rPr lang="en-US" u="sng" dirty="0" smtClean="0"/>
+              <a:rPr lang="en-US" b="1" u="sng" dirty="0" smtClean="0"/>
               <a:t>NEED OF OPERATING SYSTEM</a:t>
             </a:r>
             <a:r>
@@ -3695,10 +3768,10 @@
           <a:p>
             <a:pPr algn="ctr"/>
             <a:r>
-              <a:rPr lang="en-US" u="sng" dirty="0" smtClean="0"/>
+              <a:rPr lang="en-US" b="1" u="sng" dirty="0" smtClean="0"/>
               <a:t>WINDOWS OPERATING SYSTEM</a:t>
             </a:r>
-            <a:endParaRPr lang="en-US" u="sng" dirty="0"/>
+            <a:endParaRPr lang="en-US" b="1" u="sng" dirty="0"/>
           </a:p>
         </p:txBody>
       </p:sp>
@@ -3830,7 +3903,7 @@
           <a:bodyPr/>
           <a:lstStyle/>
           <a:p>
-            <a:pPr marL="0" indent="0">
+            <a:pPr marL="0" indent="0" algn="just">
               <a:buNone/>
             </a:pPr>
             <a:r>
@@ -3844,6 +3917,7 @@
             <a:endParaRPr lang="en-IN" dirty="0" smtClean="0"/>
           </a:p>
           <a:p>
+            <a:pPr algn="just"/>
             <a:r>
               <a:rPr lang="en-IN" dirty="0" smtClean="0"/>
               <a:t>Any </a:t>
@@ -3858,6 +3932,7 @@
             </a:r>
           </a:p>
           <a:p>
+            <a:pPr algn="just"/>
             <a:r>
               <a:rPr lang="en-IN" dirty="0" smtClean="0"/>
               <a:t>Using </a:t>
@@ -3869,6 +3944,7 @@
             <a:endParaRPr lang="en-IN" dirty="0" smtClean="0"/>
           </a:p>
           <a:p>
+            <a:pPr algn="just"/>
             <a:r>
               <a:rPr lang="en-IN" dirty="0" smtClean="0"/>
               <a:t>The </a:t>
@@ -3879,19 +3955,34 @@
             </a:r>
             <a:r>
               <a:rPr lang="en-IN" dirty="0" smtClean="0"/>
-              <a:t>products.</a:t>
-            </a:r>
-          </a:p>
-          <a:p>
-            <a:pPr marL="0" indent="0">
+              <a:t>products</a:t>
+            </a:r>
+            <a:r>
+              <a:rPr lang="en-IN" dirty="0" smtClean="0"/>
+              <a:t>.</a:t>
+            </a:r>
+          </a:p>
+          <a:p>
+            <a:pPr marL="0" indent="0" algn="just">
+              <a:buNone/>
+            </a:pPr>
+            <a:endParaRPr lang="en-IN" dirty="0" smtClean="0"/>
+          </a:p>
+          <a:p>
+            <a:pPr marL="0" indent="0" algn="just">
               <a:buNone/>
             </a:pPr>
             <a:r>
               <a:rPr lang="en-IN" sz="3200" u="sng" dirty="0" smtClean="0"/>
-              <a:t>WINDOWS SERVER OS:</a:t>
-            </a:r>
-          </a:p>
-          <a:p>
+              <a:t>WINDOWS SERVER </a:t>
+            </a:r>
+            <a:r>
+              <a:rPr lang="en-IN" sz="3200" u="sng" dirty="0" smtClean="0"/>
+              <a:t>OS:</a:t>
+            </a:r>
+          </a:p>
+          <a:p>
+            <a:pPr algn="just"/>
             <a:r>
               <a:rPr lang="en-IN" dirty="0" smtClean="0"/>
               <a:t>It is </a:t>
@@ -3963,21 +4054,34 @@
           </a:bodyPr>
           <a:lstStyle/>
           <a:p>
+            <a:pPr marL="0" indent="0" algn="ctr">
+              <a:buNone/>
+            </a:pPr>
+            <a:r>
+              <a:rPr lang="en-IN" sz="3600" b="1" u="sng" dirty="0" smtClean="0"/>
+              <a:t>WINDOWS WORKSTATION -VERSION NUMBERS:</a:t>
+            </a:r>
+          </a:p>
+          <a:p>
+            <a:endParaRPr lang="en-IN" dirty="0"/>
+          </a:p>
+          <a:p>
             <a:pPr marL="0" indent="0">
               <a:buNone/>
             </a:pPr>
             <a:r>
-              <a:rPr lang="en-IN" u="sng" dirty="0"/>
-              <a:t>Windows </a:t>
-            </a:r>
-            <a:r>
-              <a:rPr lang="en-IN" u="sng" dirty="0" smtClean="0"/>
-              <a:t>workstation -Version Numbers:</a:t>
-            </a:r>
-            <a:endParaRPr lang="en-IN" u="sng" dirty="0"/>
-          </a:p>
-          <a:p>
-            <a:endParaRPr lang="en-IN" dirty="0"/>
+              <a:rPr lang="en-IN" dirty="0" smtClean="0"/>
+              <a:t>	</a:t>
+            </a:r>
+            <a:r>
+              <a:rPr lang="en-IN" b="1" dirty="0" smtClean="0"/>
+              <a:t>Operating System				     Version </a:t>
+            </a:r>
+            <a:r>
+              <a:rPr lang="en-IN" b="1" dirty="0" smtClean="0"/>
+              <a:t>Number</a:t>
+            </a:r>
+            <a:endParaRPr lang="en-IN" b="1" dirty="0"/>
           </a:p>
           <a:p>
             <a:pPr>
@@ -3986,11 +4090,15 @@
             </a:pPr>
             <a:r>
               <a:rPr lang="en-IN" dirty="0"/>
-              <a:t>Operating System	</a:t>
+              <a:t>Windows 1.0	</a:t>
             </a:r>
             <a:r>
               <a:rPr lang="en-IN" dirty="0" smtClean="0"/>
-              <a:t>              Version Number</a:t>
+              <a:t>                               </a:t>
+            </a:r>
+            <a:r>
+              <a:rPr lang="en-IN" dirty="0" smtClean="0"/>
+              <a:t>			1.04</a:t>
             </a:r>
             <a:endParaRPr lang="en-IN" dirty="0"/>
           </a:p>
@@ -4000,12 +4108,20 @@
               <a:buChar char="§"/>
             </a:pPr>
             <a:r>
+              <a:rPr lang="en-IN" dirty="0" smtClean="0"/>
+              <a:t>Windows </a:t>
+            </a:r>
+            <a:r>
               <a:rPr lang="en-IN" dirty="0"/>
-              <a:t>Windows 1.0	</a:t>
+              <a:t>NT 3.1	</a:t>
             </a:r>
             <a:r>
               <a:rPr lang="en-IN" dirty="0" smtClean="0"/>
-              <a:t>                               1.04</a:t>
+              <a:t>                               </a:t>
+            </a:r>
+            <a:r>
+              <a:rPr lang="en-IN" dirty="0" smtClean="0"/>
+              <a:t>			3.10.528</a:t>
             </a:r>
             <a:endParaRPr lang="en-IN" dirty="0"/>
           </a:p>
@@ -4020,11 +4136,15 @@
             </a:r>
             <a:r>
               <a:rPr lang="en-IN" dirty="0"/>
-              <a:t>NT 3.1	</a:t>
+              <a:t>NT Workstation </a:t>
             </a:r>
             <a:r>
               <a:rPr lang="en-IN" dirty="0" smtClean="0"/>
-              <a:t>                               3.10.528</a:t>
+              <a:t>3.5          </a:t>
+            </a:r>
+            <a:r>
+              <a:rPr lang="en-IN" dirty="0" smtClean="0"/>
+              <a:t>			3.5.807</a:t>
             </a:r>
             <a:endParaRPr lang="en-IN" dirty="0"/>
           </a:p>
@@ -4034,16 +4154,16 @@
               <a:buChar char="§"/>
             </a:pPr>
             <a:r>
+              <a:rPr lang="en-IN" dirty="0"/>
+              <a:t>Windows NT Workstation </a:t>
+            </a:r>
+            <a:r>
               <a:rPr lang="en-IN" dirty="0" smtClean="0"/>
-              <a:t>Windows </a:t>
-            </a:r>
-            <a:r>
-              <a:rPr lang="en-IN" dirty="0"/>
-              <a:t>NT Workstation </a:t>
+              <a:t>3.51        </a:t>
             </a:r>
             <a:r>
               <a:rPr lang="en-IN" dirty="0" smtClean="0"/>
-              <a:t>3.5          3.5.807</a:t>
+              <a:t>			3.51.1057</a:t>
             </a:r>
             <a:endParaRPr lang="en-IN" dirty="0"/>
           </a:p>
@@ -4053,12 +4173,20 @@
               <a:buChar char="§"/>
             </a:pPr>
             <a:r>
+              <a:rPr lang="en-IN" dirty="0" smtClean="0"/>
+              <a:t>Windows </a:t>
+            </a:r>
+            <a:r>
               <a:rPr lang="en-IN" dirty="0"/>
-              <a:t>Windows NT Workstation </a:t>
+              <a:t>NT Workstation 4.0	</a:t>
             </a:r>
             <a:r>
               <a:rPr lang="en-IN" dirty="0" smtClean="0"/>
-              <a:t>3.51        3.51.1057</a:t>
+              <a:t>         </a:t>
+            </a:r>
+            <a:r>
+              <a:rPr lang="en-IN" dirty="0" smtClean="0"/>
+              <a:t>			4.0.1381</a:t>
             </a:r>
             <a:endParaRPr lang="en-IN" dirty="0"/>
           </a:p>
@@ -4068,16 +4196,16 @@
               <a:buChar char="§"/>
             </a:pPr>
             <a:r>
+              <a:rPr lang="en-IN" dirty="0"/>
+              <a:t>Windows 98	</a:t>
+            </a:r>
+            <a:r>
               <a:rPr lang="en-IN" dirty="0" smtClean="0"/>
-              <a:t>Windows </a:t>
-            </a:r>
-            <a:r>
-              <a:rPr lang="en-IN" dirty="0"/>
-              <a:t>NT Workstation 4.0	</a:t>
+              <a:t>                                </a:t>
             </a:r>
             <a:r>
               <a:rPr lang="en-IN" dirty="0" smtClean="0"/>
-              <a:t>         4.0.1381</a:t>
+              <a:t>			4.1.1998</a:t>
             </a:r>
             <a:endParaRPr lang="en-IN" dirty="0"/>
           </a:p>
@@ -4088,11 +4216,15 @@
             </a:pPr>
             <a:r>
               <a:rPr lang="en-IN" dirty="0"/>
-              <a:t>Windows 98	</a:t>
+              <a:t>Windows 98 Second Edition	</a:t>
             </a:r>
             <a:r>
               <a:rPr lang="en-IN" dirty="0" smtClean="0"/>
-              <a:t>                                4.1.1998</a:t>
+              <a:t>          </a:t>
+            </a:r>
+            <a:r>
+              <a:rPr lang="en-IN" dirty="0" smtClean="0"/>
+              <a:t>			4.1.2222</a:t>
             </a:r>
             <a:endParaRPr lang="en-IN" dirty="0"/>
           </a:p>
@@ -4102,12 +4234,20 @@
               <a:buChar char="§"/>
             </a:pPr>
             <a:r>
+              <a:rPr lang="en-IN" dirty="0" smtClean="0"/>
+              <a:t> Windows </a:t>
+            </a:r>
+            <a:r>
               <a:rPr lang="en-IN" dirty="0"/>
-              <a:t>Windows 98 Second Edition	</a:t>
+              <a:t>7	</a:t>
             </a:r>
             <a:r>
               <a:rPr lang="en-IN" dirty="0" smtClean="0"/>
-              <a:t>          4.1.2222</a:t>
+              <a:t>                                 </a:t>
+            </a:r>
+            <a:r>
+              <a:rPr lang="en-IN" dirty="0" smtClean="0"/>
+              <a:t>			6.1.7600</a:t>
             </a:r>
             <a:endParaRPr lang="en-IN" dirty="0"/>
           </a:p>
@@ -4118,25 +4258,6 @@
             </a:pPr>
             <a:r>
               <a:rPr lang="en-IN" dirty="0" smtClean="0"/>
-              <a:t> Windows </a:t>
-            </a:r>
-            <a:r>
-              <a:rPr lang="en-IN" dirty="0"/>
-              <a:t>7	</a:t>
-            </a:r>
-            <a:r>
-              <a:rPr lang="en-IN" dirty="0" smtClean="0"/>
-              <a:t>                                 6.1.7600</a:t>
-            </a:r>
-            <a:endParaRPr lang="en-IN" dirty="0"/>
-          </a:p>
-          <a:p>
-            <a:pPr>
-              <a:buFont typeface="Wingdings" pitchFamily="2" charset="2"/>
-              <a:buChar char="§"/>
-            </a:pPr>
-            <a:r>
-              <a:rPr lang="en-IN" dirty="0" smtClean="0"/>
               <a:t>Windows </a:t>
             </a:r>
             <a:r>
@@ -4145,7 +4266,11 @@
             </a:r>
             <a:r>
               <a:rPr lang="en-IN" dirty="0" smtClean="0"/>
-              <a:t>                                10.0.10240</a:t>
+              <a:t>                                </a:t>
+            </a:r>
+            <a:r>
+              <a:rPr lang="en-IN" dirty="0" smtClean="0"/>
+              <a:t>			10.0.10240</a:t>
             </a:r>
             <a:endParaRPr lang="en-IN" dirty="0"/>
           </a:p>
@@ -4220,50 +4345,61 @@
             <a:pPr marL="0" indent="0" algn="ctr">
               <a:buNone/>
             </a:pPr>
-            <a:endParaRPr lang="en-IN" u="sng" dirty="0"/>
+            <a:endParaRPr lang="en-IN" dirty="0"/>
           </a:p>
           <a:p>
             <a:pPr marL="0" indent="0">
               <a:buNone/>
             </a:pPr>
             <a:r>
-              <a:rPr lang="en-IN" u="sng" dirty="0" smtClean="0"/>
+              <a:rPr lang="en-IN" dirty="0" smtClean="0"/>
+              <a:t>	</a:t>
+            </a:r>
+            <a:r>
+              <a:rPr lang="en-IN" b="1" dirty="0" smtClean="0"/>
               <a:t>Name</a:t>
             </a:r>
             <a:r>
-              <a:rPr lang="en-IN" dirty="0"/>
+              <a:rPr lang="en-IN" b="1" dirty="0"/>
               <a:t>	</a:t>
             </a:r>
             <a:r>
-              <a:rPr lang="en-IN" dirty="0" smtClean="0"/>
-              <a:t>                                 </a:t>
-            </a:r>
-            <a:r>
-              <a:rPr lang="en-IN" u="sng" dirty="0" smtClean="0"/>
-              <a:t>Release date</a:t>
-            </a:r>
-            <a:r>
-              <a:rPr lang="en-IN" dirty="0"/>
+              <a:rPr lang="en-IN" b="1" dirty="0" smtClean="0"/>
+              <a:t>                           </a:t>
+            </a:r>
+            <a:r>
+              <a:rPr lang="en-IN" b="1" dirty="0" smtClean="0"/>
+              <a:t>Release </a:t>
+            </a:r>
+            <a:r>
+              <a:rPr lang="en-IN" b="1" dirty="0" smtClean="0"/>
+              <a:t>date</a:t>
+            </a:r>
+            <a:r>
+              <a:rPr lang="en-IN" b="1" dirty="0"/>
               <a:t>	</a:t>
             </a:r>
             <a:r>
-              <a:rPr lang="en-IN" dirty="0" smtClean="0"/>
-              <a:t>              </a:t>
-            </a:r>
-            <a:r>
-              <a:rPr lang="en-IN" u="sng" dirty="0" smtClean="0"/>
-              <a:t>Release </a:t>
-            </a:r>
-            <a:r>
-              <a:rPr lang="en-IN" u="sng" dirty="0"/>
+              <a:rPr lang="en-IN" b="1" dirty="0"/>
+              <a:t> </a:t>
+            </a:r>
+            <a:r>
+              <a:rPr lang="en-IN" b="1" dirty="0" smtClean="0"/>
+              <a:t>     Release </a:t>
+            </a:r>
+            <a:r>
+              <a:rPr lang="en-IN" b="1" dirty="0"/>
               <a:t>version </a:t>
             </a:r>
             <a:r>
-              <a:rPr lang="en-IN" u="sng" dirty="0" smtClean="0"/>
-              <a:t>number</a:t>
-            </a:r>
-          </a:p>
-          <a:p>
+              <a:rPr lang="en-IN" b="1" dirty="0" smtClean="0"/>
+              <a:t>									number</a:t>
+            </a:r>
+          </a:p>
+          <a:p>
+            <a:pPr marL="0" indent="0">
+              <a:buNone/>
+            </a:pPr>
             <a:endParaRPr lang="en-IN" dirty="0"/>
           </a:p>
           <a:p>
@@ -4281,7 +4417,11 @@
             </a:r>
             <a:r>
               <a:rPr lang="en-IN" sz="2400" dirty="0" smtClean="0"/>
-              <a:t>                          NT </a:t>
+              <a:t>                          </a:t>
+            </a:r>
+            <a:r>
+              <a:rPr lang="en-IN" sz="2400" dirty="0" smtClean="0"/>
+              <a:t>	NT </a:t>
             </a:r>
             <a:r>
               <a:rPr lang="en-IN" sz="2400" dirty="0"/>
@@ -4303,7 +4443,11 @@
             </a:r>
             <a:r>
               <a:rPr lang="en-IN" sz="2400" dirty="0" smtClean="0"/>
-              <a:t>                          NT </a:t>
+              <a:t>                          </a:t>
+            </a:r>
+            <a:r>
+              <a:rPr lang="en-IN" sz="2400" dirty="0" smtClean="0"/>
+              <a:t>	NT </a:t>
             </a:r>
             <a:r>
               <a:rPr lang="en-IN" sz="2400" dirty="0"/>
@@ -4325,7 +4469,11 @@
             </a:r>
             <a:r>
               <a:rPr lang="en-IN" sz="2400" dirty="0" smtClean="0"/>
-              <a:t>                          NT </a:t>
+              <a:t>                          </a:t>
+            </a:r>
+            <a:r>
+              <a:rPr lang="en-IN" sz="2400" dirty="0" smtClean="0"/>
+              <a:t>	NT </a:t>
             </a:r>
             <a:r>
               <a:rPr lang="en-IN" sz="2400" dirty="0"/>
@@ -4339,7 +4487,11 @@
             </a:r>
             <a:r>
               <a:rPr lang="en-IN" sz="2400" dirty="0" smtClean="0"/>
-              <a:t>            2009</a:t>
+              <a:t>           </a:t>
+            </a:r>
+            <a:r>
+              <a:rPr lang="en-IN" sz="2400" dirty="0" smtClean="0"/>
+              <a:t>2009</a:t>
             </a:r>
             <a:r>
               <a:rPr lang="en-IN" sz="2400" dirty="0"/>
@@ -4347,7 +4499,11 @@
             </a:r>
             <a:r>
               <a:rPr lang="en-IN" sz="2400" dirty="0" smtClean="0"/>
-              <a:t>                          NT </a:t>
+              <a:t>                          </a:t>
+            </a:r>
+            <a:r>
+              <a:rPr lang="en-IN" sz="2400" dirty="0" smtClean="0"/>
+              <a:t>	NT </a:t>
             </a:r>
             <a:r>
               <a:rPr lang="en-IN" sz="2400" dirty="0"/>
@@ -4984,7 +5140,7 @@
   <a:extraClrSchemeLst/>
   <a:extLst>
     <a:ext uri="{05A4C25C-085E-4340-85A3-A5531E510DB2}">
-      <thm15:themeFamily xmlns="" xmlns:thm15="http://schemas.microsoft.com/office/thememl/2012/main" name="Office Theme" id="{62F939B6-93AF-4DB8-9C6B-D6C7DFDC589F}" vid="{4A3C46E8-61CC-4603-A589-7422A47A8E4A}"/>
+      <thm15:themeFamily xmlns:thm15="http://schemas.microsoft.com/office/thememl/2012/main" name="Office Theme" id="{62F939B6-93AF-4DB8-9C6B-D6C7DFDC589F}" vid="{4A3C46E8-61CC-4603-A589-7422A47A8E4A}"/>
     </a:ext>
   </a:extLst>
 </a:theme>
